--- a/week7/slides.pptx
+++ b/week7/slides.pptx
@@ -7,6 +7,7 @@
   <p:sldIdLst>
     <p:sldId id="256" r:id="rId2"/>
     <p:sldId id="268" r:id="rId3"/>
+    <p:sldId id="269" r:id="rId4"/>
   </p:sldIdLst>
   <p:sldSz cx="12192000" cy="6858000"/>
   <p:notesSz cx="6858000" cy="9144000"/>
@@ -5889,7 +5890,7 @@
             <a:fld id="{B61BEF0D-F0BB-DE4B-95CE-6DB70DBA9567}" type="datetimeFigureOut">
               <a:rPr lang="en-US" dirty="0"/>
               <a:pPr/>
-              <a:t>4/22/19</a:t>
+              <a:t>4/23/19</a:t>
             </a:fld>
             <a:endParaRPr lang="en-US" dirty="0"/>
           </a:p>
@@ -6148,7 +6149,7 @@
             <a:fld id="{B61BEF0D-F0BB-DE4B-95CE-6DB70DBA9567}" type="datetimeFigureOut">
               <a:rPr lang="en-US" dirty="0"/>
               <a:pPr/>
-              <a:t>4/22/19</a:t>
+              <a:t>4/23/19</a:t>
             </a:fld>
             <a:endParaRPr lang="en-US" dirty="0"/>
           </a:p>
@@ -6380,7 +6381,7 @@
             <a:fld id="{B61BEF0D-F0BB-DE4B-95CE-6DB70DBA9567}" type="datetimeFigureOut">
               <a:rPr lang="en-US" dirty="0"/>
               <a:pPr/>
-              <a:t>4/22/19</a:t>
+              <a:t>4/23/19</a:t>
             </a:fld>
             <a:endParaRPr lang="en-US" dirty="0"/>
           </a:p>
@@ -6617,7 +6618,7 @@
             <a:fld id="{B61BEF0D-F0BB-DE4B-95CE-6DB70DBA9567}" type="datetimeFigureOut">
               <a:rPr lang="en-US" dirty="0"/>
               <a:pPr/>
-              <a:t>4/22/19</a:t>
+              <a:t>4/23/19</a:t>
             </a:fld>
             <a:endParaRPr lang="en-US" dirty="0"/>
           </a:p>
@@ -6921,7 +6922,7 @@
             <a:fld id="{B61BEF0D-F0BB-DE4B-95CE-6DB70DBA9567}" type="datetimeFigureOut">
               <a:rPr lang="en-US" dirty="0"/>
               <a:pPr/>
-              <a:t>4/22/19</a:t>
+              <a:t>4/23/19</a:t>
             </a:fld>
             <a:endParaRPr lang="en-US" dirty="0"/>
           </a:p>
@@ -7220,7 +7221,7 @@
             <a:fld id="{B61BEF0D-F0BB-DE4B-95CE-6DB70DBA9567}" type="datetimeFigureOut">
               <a:rPr lang="en-US" dirty="0"/>
               <a:pPr/>
-              <a:t>4/22/19</a:t>
+              <a:t>4/23/19</a:t>
             </a:fld>
             <a:endParaRPr lang="en-US" dirty="0"/>
           </a:p>
@@ -7639,7 +7640,7 @@
             <a:fld id="{B61BEF0D-F0BB-DE4B-95CE-6DB70DBA9567}" type="datetimeFigureOut">
               <a:rPr lang="en-US" dirty="0"/>
               <a:pPr/>
-              <a:t>4/22/19</a:t>
+              <a:t>4/23/19</a:t>
             </a:fld>
             <a:endParaRPr lang="en-US" dirty="0"/>
           </a:p>
@@ -7798,7 +7799,7 @@
             <a:fld id="{B61BEF0D-F0BB-DE4B-95CE-6DB70DBA9567}" type="datetimeFigureOut">
               <a:rPr lang="en-US" dirty="0"/>
               <a:pPr/>
-              <a:t>4/22/19</a:t>
+              <a:t>4/23/19</a:t>
             </a:fld>
             <a:endParaRPr lang="en-US" dirty="0"/>
           </a:p>
@@ -7890,7 +7891,7 @@
             <a:fld id="{B61BEF0D-F0BB-DE4B-95CE-6DB70DBA9567}" type="datetimeFigureOut">
               <a:rPr lang="en-US" dirty="0"/>
               <a:pPr/>
-              <a:t>4/22/19</a:t>
+              <a:t>4/23/19</a:t>
             </a:fld>
             <a:endParaRPr lang="en-US" dirty="0"/>
           </a:p>
@@ -8265,7 +8266,7 @@
             <a:fld id="{B61BEF0D-F0BB-DE4B-95CE-6DB70DBA9567}" type="datetimeFigureOut">
               <a:rPr lang="en-US" dirty="0"/>
               <a:pPr/>
-              <a:t>4/22/19</a:t>
+              <a:t>4/23/19</a:t>
             </a:fld>
             <a:endParaRPr lang="en-US" dirty="0"/>
           </a:p>
@@ -8551,7 +8552,7 @@
             <a:fld id="{B61BEF0D-F0BB-DE4B-95CE-6DB70DBA9567}" type="datetimeFigureOut">
               <a:rPr lang="en-US" dirty="0"/>
               <a:pPr/>
-              <a:t>4/22/19</a:t>
+              <a:t>4/23/19</a:t>
             </a:fld>
             <a:endParaRPr lang="en-US" dirty="0"/>
           </a:p>
@@ -8759,7 +8760,7 @@
             <a:fld id="{B61BEF0D-F0BB-DE4B-95CE-6DB70DBA9567}" type="datetimeFigureOut">
               <a:rPr lang="en-US" dirty="0"/>
               <a:pPr/>
-              <a:t>4/22/19</a:t>
+              <a:t>4/23/19</a:t>
             </a:fld>
             <a:endParaRPr lang="en-US" dirty="0"/>
           </a:p>
@@ -9675,6 +9676,667 @@
 </p:sld>
 </file>
 
+<file path=ppt/slides/slide3.xml><?xml version="1.0" encoding="utf-8"?>
+<p:sld xmlns:a="http://schemas.openxmlformats.org/drawingml/2006/main" xmlns:r="http://schemas.openxmlformats.org/officeDocument/2006/relationships" xmlns:p="http://schemas.openxmlformats.org/presentationml/2006/main">
+  <p:cSld>
+    <p:spTree>
+      <p:nvGrpSpPr>
+        <p:cNvPr id="1" name=""/>
+        <p:cNvGrpSpPr/>
+        <p:nvPr/>
+      </p:nvGrpSpPr>
+      <p:grpSpPr>
+        <a:xfrm>
+          <a:off x="0" y="0"/>
+          <a:ext cx="0" cy="0"/>
+          <a:chOff x="0" y="0"/>
+          <a:chExt cx="0" cy="0"/>
+        </a:xfrm>
+      </p:grpSpPr>
+      <p:sp>
+        <p:nvSpPr>
+          <p:cNvPr id="2" name="Title 1">
+            <a:extLst>
+              <a:ext uri="{FF2B5EF4-FFF2-40B4-BE49-F238E27FC236}">
+                <a16:creationId xmlns:a16="http://schemas.microsoft.com/office/drawing/2014/main" id="{655ED3A2-1CED-B44E-AA82-C71E52A73363}"/>
+              </a:ext>
+            </a:extLst>
+          </p:cNvPr>
+          <p:cNvSpPr>
+            <a:spLocks noGrp="1"/>
+          </p:cNvSpPr>
+          <p:nvPr>
+            <p:ph type="title"/>
+          </p:nvPr>
+        </p:nvSpPr>
+        <p:spPr/>
+        <p:txBody>
+          <a:bodyPr/>
+          <a:lstStyle/>
+          <a:p>
+            <a:r>
+              <a:rPr lang="en-US" dirty="0"/>
+              <a:t>Exercise</a:t>
+            </a:r>
+          </a:p>
+        </p:txBody>
+      </p:sp>
+      <p:sp>
+        <p:nvSpPr>
+          <p:cNvPr id="3" name="Content Placeholder 2">
+            <a:extLst>
+              <a:ext uri="{FF2B5EF4-FFF2-40B4-BE49-F238E27FC236}">
+                <a16:creationId xmlns:a16="http://schemas.microsoft.com/office/drawing/2014/main" id="{BF5E2351-7717-674B-9559-CB3DB8BF6719}"/>
+              </a:ext>
+            </a:extLst>
+          </p:cNvPr>
+          <p:cNvSpPr>
+            <a:spLocks noGrp="1"/>
+          </p:cNvSpPr>
+          <p:nvPr>
+            <p:ph idx="1"/>
+          </p:nvPr>
+        </p:nvSpPr>
+        <p:spPr>
+          <a:xfrm>
+            <a:off x="581192" y="2180496"/>
+            <a:ext cx="11029615" cy="4488661"/>
+          </a:xfrm>
+        </p:spPr>
+        <p:txBody>
+          <a:bodyPr>
+            <a:normAutofit fontScale="77500" lnSpcReduction="20000"/>
+          </a:bodyPr>
+          <a:lstStyle/>
+          <a:p>
+            <a:pPr marL="0" indent="0">
+              <a:buNone/>
+            </a:pPr>
+            <a:r>
+              <a:rPr lang="en-US" dirty="0"/>
+              <a:t>1. Assume the following TF-IDF:</a:t>
+            </a:r>
+          </a:p>
+          <a:p>
+            <a:pPr marL="0" indent="0">
+              <a:buNone/>
+            </a:pPr>
+            <a:endParaRPr lang="en-US" dirty="0"/>
+          </a:p>
+          <a:p>
+            <a:endParaRPr lang="en-US" dirty="0"/>
+          </a:p>
+          <a:p>
+            <a:pPr marL="0" indent="0">
+              <a:buNone/>
+            </a:pPr>
+            <a:endParaRPr lang="en-US" dirty="0"/>
+          </a:p>
+          <a:p>
+            <a:pPr marL="0" indent="0">
+              <a:buNone/>
+            </a:pPr>
+            <a:r>
+              <a:rPr lang="en-US" dirty="0"/>
+              <a:t>Compute the document vectors for </a:t>
+            </a:r>
+            <a:r>
+              <a:rPr lang="en-US" b="1" dirty="0"/>
+              <a:t>Document 1 </a:t>
+            </a:r>
+            <a:r>
+              <a:rPr lang="en-US" dirty="0"/>
+              <a:t>and </a:t>
+            </a:r>
+            <a:r>
+              <a:rPr lang="en-US" b="1" dirty="0"/>
+              <a:t>Document 2</a:t>
+            </a:r>
+            <a:r>
+              <a:rPr lang="en-US" dirty="0"/>
+              <a:t>.</a:t>
+            </a:r>
+          </a:p>
+          <a:p>
+            <a:pPr marL="0" indent="0">
+              <a:buNone/>
+            </a:pPr>
+            <a:r>
+              <a:rPr lang="en-US" dirty="0"/>
+              <a:t>Identify each object’s</a:t>
+            </a:r>
+            <a:r>
+              <a:rPr lang="en-US" b="1" dirty="0"/>
+              <a:t> shape </a:t>
+            </a:r>
+            <a:r>
+              <a:rPr lang="en-US" dirty="0"/>
+              <a:t>and what each element in that object represents:</a:t>
+            </a:r>
+          </a:p>
+          <a:p>
+            <a:pPr marL="0" indent="0">
+              <a:buNone/>
+            </a:pPr>
+            <a:r>
+              <a:rPr lang="en-US" dirty="0"/>
+              <a:t>2. PCA:</a:t>
+            </a:r>
+          </a:p>
+          <a:p>
+            <a:pPr lvl="1"/>
+            <a:r>
+              <a:rPr lang="en-US" dirty="0"/>
+              <a:t>∑𝑋</a:t>
+            </a:r>
+          </a:p>
+          <a:p>
+            <a:pPr lvl="1"/>
+            <a:r>
+              <a:rPr lang="en-US" dirty="0"/>
+              <a:t>𝜆</a:t>
+            </a:r>
+          </a:p>
+          <a:p>
+            <a:pPr lvl="1"/>
+            <a:r>
+              <a:rPr lang="en-US" dirty="0"/>
+              <a:t>𝑣</a:t>
+            </a:r>
+          </a:p>
+          <a:p>
+            <a:pPr lvl="1"/>
+            <a:r>
+              <a:rPr lang="el-GR" dirty="0"/>
+              <a:t>Λ</a:t>
+            </a:r>
+            <a:endParaRPr lang="en-US" dirty="0"/>
+          </a:p>
+          <a:p>
+            <a:pPr marL="0" indent="0">
+              <a:buNone/>
+            </a:pPr>
+            <a:r>
+              <a:rPr lang="en-US" dirty="0"/>
+              <a:t>3. SVD:</a:t>
+            </a:r>
+          </a:p>
+          <a:p>
+            <a:pPr lvl="1"/>
+            <a:r>
+              <a:rPr lang="en-US" dirty="0"/>
+              <a:t>A</a:t>
+            </a:r>
+          </a:p>
+          <a:p>
+            <a:pPr lvl="1"/>
+            <a:r>
+              <a:rPr lang="en-US" dirty="0"/>
+              <a:t>U</a:t>
+            </a:r>
+          </a:p>
+          <a:p>
+            <a:pPr lvl="1"/>
+            <a:r>
+              <a:rPr lang="en-US" dirty="0"/>
+              <a:t>∑</a:t>
+            </a:r>
+          </a:p>
+          <a:p>
+            <a:pPr lvl="1"/>
+            <a:r>
+              <a:rPr lang="en-US" dirty="0"/>
+              <a:t>V</a:t>
+            </a:r>
+          </a:p>
+          <a:p>
+            <a:pPr marL="324000" lvl="1" indent="0">
+              <a:buNone/>
+            </a:pPr>
+            <a:endParaRPr lang="en-US" dirty="0"/>
+          </a:p>
+          <a:p>
+            <a:pPr marL="324000" lvl="1" indent="0">
+              <a:buNone/>
+            </a:pPr>
+            <a:endParaRPr lang="en-US" dirty="0"/>
+          </a:p>
+        </p:txBody>
+      </p:sp>
+      <p:graphicFrame>
+        <p:nvGraphicFramePr>
+          <p:cNvPr id="4" name="Table 3">
+            <a:extLst>
+              <a:ext uri="{FF2B5EF4-FFF2-40B4-BE49-F238E27FC236}">
+                <a16:creationId xmlns:a16="http://schemas.microsoft.com/office/drawing/2014/main" id="{405DA207-869F-6748-BCD0-ECFE929F287B}"/>
+              </a:ext>
+            </a:extLst>
+          </p:cNvPr>
+          <p:cNvGraphicFramePr>
+            <a:graphicFrameLocks noGrp="1"/>
+          </p:cNvGraphicFramePr>
+          <p:nvPr>
+            <p:extLst>
+              <p:ext uri="{D42A27DB-BD31-4B8C-83A1-F6EECF244321}">
+                <p14:modId xmlns:p14="http://schemas.microsoft.com/office/powerpoint/2010/main" val="3463800425"/>
+              </p:ext>
+            </p:extLst>
+          </p:nvPr>
+        </p:nvGraphicFramePr>
+        <p:xfrm>
+          <a:off x="2843385" y="1977887"/>
+          <a:ext cx="4130262" cy="1118032"/>
+        </p:xfrm>
+        <a:graphic>
+          <a:graphicData uri="http://schemas.openxmlformats.org/drawingml/2006/table">
+            <a:tbl>
+              <a:tblPr firstRow="1" bandRow="1">
+                <a:tableStyleId>{5C22544A-7EE6-4342-B048-85BDC9FD1C3A}</a:tableStyleId>
+              </a:tblPr>
+              <a:tblGrid>
+                <a:gridCol w="1376754">
+                  <a:extLst>
+                    <a:ext uri="{9D8B030D-6E8A-4147-A177-3AD203B41FA5}">
+                      <a16:colId xmlns:a16="http://schemas.microsoft.com/office/drawing/2014/main" val="593453729"/>
+                    </a:ext>
+                  </a:extLst>
+                </a:gridCol>
+                <a:gridCol w="1376754">
+                  <a:extLst>
+                    <a:ext uri="{9D8B030D-6E8A-4147-A177-3AD203B41FA5}">
+                      <a16:colId xmlns:a16="http://schemas.microsoft.com/office/drawing/2014/main" val="743446392"/>
+                    </a:ext>
+                  </a:extLst>
+                </a:gridCol>
+                <a:gridCol w="1376754">
+                  <a:extLst>
+                    <a:ext uri="{9D8B030D-6E8A-4147-A177-3AD203B41FA5}">
+                      <a16:colId xmlns:a16="http://schemas.microsoft.com/office/drawing/2014/main" val="4236918575"/>
+                    </a:ext>
+                  </a:extLst>
+                </a:gridCol>
+              </a:tblGrid>
+              <a:tr h="372838">
+                <a:tc>
+                  <a:txBody>
+                    <a:bodyPr/>
+                    <a:lstStyle/>
+                    <a:p>
+                      <a:endParaRPr lang="en-US" dirty="0"/>
+                    </a:p>
+                  </a:txBody>
+                  <a:tcPr/>
+                </a:tc>
+                <a:tc>
+                  <a:txBody>
+                    <a:bodyPr/>
+                    <a:lstStyle/>
+                    <a:p>
+                      <a:r>
+                        <a:rPr lang="en-US" dirty="0"/>
+                        <a:t>Drink</a:t>
+                      </a:r>
+                    </a:p>
+                  </a:txBody>
+                  <a:tcPr/>
+                </a:tc>
+                <a:tc>
+                  <a:txBody>
+                    <a:bodyPr/>
+                    <a:lstStyle/>
+                    <a:p>
+                      <a:r>
+                        <a:rPr lang="en-US" dirty="0"/>
+                        <a:t>Boba</a:t>
+                      </a:r>
+                    </a:p>
+                  </a:txBody>
+                  <a:tcPr/>
+                </a:tc>
+                <a:extLst>
+                  <a:ext uri="{0D108BD9-81ED-4DB2-BD59-A6C34878D82A}">
+                    <a16:rowId xmlns:a16="http://schemas.microsoft.com/office/drawing/2014/main" val="2326505672"/>
+                  </a:ext>
+                </a:extLst>
+              </a:tr>
+              <a:tr h="372597">
+                <a:tc>
+                  <a:txBody>
+                    <a:bodyPr/>
+                    <a:lstStyle/>
+                    <a:p>
+                      <a:r>
+                        <a:rPr lang="en-US" dirty="0"/>
+                        <a:t>Document 1</a:t>
+                      </a:r>
+                    </a:p>
+                  </a:txBody>
+                  <a:tcPr/>
+                </a:tc>
+                <a:tc>
+                  <a:txBody>
+                    <a:bodyPr/>
+                    <a:lstStyle/>
+                    <a:p>
+                      <a:r>
+                        <a:rPr lang="en-US" dirty="0"/>
+                        <a:t>1.75</a:t>
+                      </a:r>
+                    </a:p>
+                  </a:txBody>
+                  <a:tcPr/>
+                </a:tc>
+                <a:tc>
+                  <a:txBody>
+                    <a:bodyPr/>
+                    <a:lstStyle/>
+                    <a:p>
+                      <a:r>
+                        <a:rPr lang="en-US" dirty="0"/>
+                        <a:t>0</a:t>
+                      </a:r>
+                    </a:p>
+                  </a:txBody>
+                  <a:tcPr/>
+                </a:tc>
+                <a:extLst>
+                  <a:ext uri="{0D108BD9-81ED-4DB2-BD59-A6C34878D82A}">
+                    <a16:rowId xmlns:a16="http://schemas.microsoft.com/office/drawing/2014/main" val="2220741935"/>
+                  </a:ext>
+                </a:extLst>
+              </a:tr>
+              <a:tr h="372597">
+                <a:tc>
+                  <a:txBody>
+                    <a:bodyPr/>
+                    <a:lstStyle/>
+                    <a:p>
+                      <a:r>
+                        <a:rPr lang="en-US" dirty="0"/>
+                        <a:t>Document 2</a:t>
+                      </a:r>
+                    </a:p>
+                  </a:txBody>
+                  <a:tcPr/>
+                </a:tc>
+                <a:tc>
+                  <a:txBody>
+                    <a:bodyPr/>
+                    <a:lstStyle/>
+                    <a:p>
+                      <a:r>
+                        <a:rPr lang="en-US" dirty="0"/>
+                        <a:t>3.5</a:t>
+                      </a:r>
+                    </a:p>
+                  </a:txBody>
+                  <a:tcPr/>
+                </a:tc>
+                <a:tc>
+                  <a:txBody>
+                    <a:bodyPr/>
+                    <a:lstStyle/>
+                    <a:p>
+                      <a:r>
+                        <a:rPr lang="en-US" dirty="0"/>
+                        <a:t>2.0</a:t>
+                      </a:r>
+                    </a:p>
+                  </a:txBody>
+                  <a:tcPr/>
+                </a:tc>
+                <a:extLst>
+                  <a:ext uri="{0D108BD9-81ED-4DB2-BD59-A6C34878D82A}">
+                    <a16:rowId xmlns:a16="http://schemas.microsoft.com/office/drawing/2014/main" val="2028307844"/>
+                  </a:ext>
+                </a:extLst>
+              </a:tr>
+            </a:tbl>
+          </a:graphicData>
+        </a:graphic>
+      </p:graphicFrame>
+      <p:graphicFrame>
+        <p:nvGraphicFramePr>
+          <p:cNvPr id="5" name="Table 4">
+            <a:extLst>
+              <a:ext uri="{FF2B5EF4-FFF2-40B4-BE49-F238E27FC236}">
+                <a16:creationId xmlns:a16="http://schemas.microsoft.com/office/drawing/2014/main" id="{A4B81F73-21D0-6544-BBE0-8B5FB3CBF197}"/>
+              </a:ext>
+            </a:extLst>
+          </p:cNvPr>
+          <p:cNvGraphicFramePr>
+            <a:graphicFrameLocks noGrp="1"/>
+          </p:cNvGraphicFramePr>
+          <p:nvPr>
+            <p:extLst>
+              <p:ext uri="{D42A27DB-BD31-4B8C-83A1-F6EECF244321}">
+                <p14:modId xmlns:p14="http://schemas.microsoft.com/office/powerpoint/2010/main" val="2447750052"/>
+              </p:ext>
+            </p:extLst>
+          </p:nvPr>
+        </p:nvGraphicFramePr>
+        <p:xfrm>
+          <a:off x="7283483" y="1977887"/>
+          <a:ext cx="4130264" cy="1118032"/>
+        </p:xfrm>
+        <a:graphic>
+          <a:graphicData uri="http://schemas.openxmlformats.org/drawingml/2006/table">
+            <a:tbl>
+              <a:tblPr firstRow="1" bandRow="1">
+                <a:tableStyleId>{5C22544A-7EE6-4342-B048-85BDC9FD1C3A}</a:tableStyleId>
+              </a:tblPr>
+              <a:tblGrid>
+                <a:gridCol w="1032566">
+                  <a:extLst>
+                    <a:ext uri="{9D8B030D-6E8A-4147-A177-3AD203B41FA5}">
+                      <a16:colId xmlns:a16="http://schemas.microsoft.com/office/drawing/2014/main" val="593453729"/>
+                    </a:ext>
+                  </a:extLst>
+                </a:gridCol>
+                <a:gridCol w="1032566">
+                  <a:extLst>
+                    <a:ext uri="{9D8B030D-6E8A-4147-A177-3AD203B41FA5}">
+                      <a16:colId xmlns:a16="http://schemas.microsoft.com/office/drawing/2014/main" val="743446392"/>
+                    </a:ext>
+                  </a:extLst>
+                </a:gridCol>
+                <a:gridCol w="1032566">
+                  <a:extLst>
+                    <a:ext uri="{9D8B030D-6E8A-4147-A177-3AD203B41FA5}">
+                      <a16:colId xmlns:a16="http://schemas.microsoft.com/office/drawing/2014/main" val="4236918575"/>
+                    </a:ext>
+                  </a:extLst>
+                </a:gridCol>
+                <a:gridCol w="1032566">
+                  <a:extLst>
+                    <a:ext uri="{9D8B030D-6E8A-4147-A177-3AD203B41FA5}">
+                      <a16:colId xmlns:a16="http://schemas.microsoft.com/office/drawing/2014/main" val="2016474977"/>
+                    </a:ext>
+                  </a:extLst>
+                </a:gridCol>
+              </a:tblGrid>
+              <a:tr h="372838">
+                <a:tc>
+                  <a:txBody>
+                    <a:bodyPr/>
+                    <a:lstStyle/>
+                    <a:p>
+                      <a:endParaRPr lang="en-US" dirty="0"/>
+                    </a:p>
+                  </a:txBody>
+                  <a:tcPr/>
+                </a:tc>
+                <a:tc>
+                  <a:txBody>
+                    <a:bodyPr/>
+                    <a:lstStyle/>
+                    <a:p>
+                      <a:endParaRPr lang="en-US" dirty="0"/>
+                    </a:p>
+                  </a:txBody>
+                  <a:tcPr/>
+                </a:tc>
+                <a:tc>
+                  <a:txBody>
+                    <a:bodyPr/>
+                    <a:lstStyle/>
+                    <a:p>
+                      <a:endParaRPr lang="en-US" dirty="0"/>
+                    </a:p>
+                  </a:txBody>
+                  <a:tcPr/>
+                </a:tc>
+                <a:tc>
+                  <a:txBody>
+                    <a:bodyPr/>
+                    <a:lstStyle/>
+                    <a:p>
+                      <a:endParaRPr lang="en-US" dirty="0"/>
+                    </a:p>
+                  </a:txBody>
+                  <a:tcPr/>
+                </a:tc>
+                <a:extLst>
+                  <a:ext uri="{0D108BD9-81ED-4DB2-BD59-A6C34878D82A}">
+                    <a16:rowId xmlns:a16="http://schemas.microsoft.com/office/drawing/2014/main" val="2326505672"/>
+                  </a:ext>
+                </a:extLst>
+              </a:tr>
+              <a:tr h="372597">
+                <a:tc>
+                  <a:txBody>
+                    <a:bodyPr/>
+                    <a:lstStyle/>
+                    <a:p>
+                      <a:r>
+                        <a:rPr lang="en-US" dirty="0"/>
+                        <a:t>Drink</a:t>
+                      </a:r>
+                    </a:p>
+                  </a:txBody>
+                  <a:tcPr/>
+                </a:tc>
+                <a:tc>
+                  <a:txBody>
+                    <a:bodyPr/>
+                    <a:lstStyle/>
+                    <a:p>
+                      <a:r>
+                        <a:rPr lang="en-US" dirty="0"/>
+                        <a:t>0.5</a:t>
+                      </a:r>
+                    </a:p>
+                  </a:txBody>
+                  <a:tcPr/>
+                </a:tc>
+                <a:tc>
+                  <a:txBody>
+                    <a:bodyPr/>
+                    <a:lstStyle/>
+                    <a:p>
+                      <a:r>
+                        <a:rPr lang="en-US" dirty="0"/>
+                        <a:t>-1</a:t>
+                      </a:r>
+                    </a:p>
+                  </a:txBody>
+                  <a:tcPr/>
+                </a:tc>
+                <a:tc>
+                  <a:txBody>
+                    <a:bodyPr/>
+                    <a:lstStyle/>
+                    <a:p>
+                      <a:r>
+                        <a:rPr lang="en-US" dirty="0"/>
+                        <a:t>-2</a:t>
+                      </a:r>
+                    </a:p>
+                  </a:txBody>
+                  <a:tcPr/>
+                </a:tc>
+                <a:extLst>
+                  <a:ext uri="{0D108BD9-81ED-4DB2-BD59-A6C34878D82A}">
+                    <a16:rowId xmlns:a16="http://schemas.microsoft.com/office/drawing/2014/main" val="2220741935"/>
+                  </a:ext>
+                </a:extLst>
+              </a:tr>
+              <a:tr h="372597">
+                <a:tc>
+                  <a:txBody>
+                    <a:bodyPr/>
+                    <a:lstStyle/>
+                    <a:p>
+                      <a:r>
+                        <a:rPr lang="en-US" dirty="0"/>
+                        <a:t>Boba</a:t>
+                      </a:r>
+                    </a:p>
+                  </a:txBody>
+                  <a:tcPr/>
+                </a:tc>
+                <a:tc>
+                  <a:txBody>
+                    <a:bodyPr/>
+                    <a:lstStyle/>
+                    <a:p>
+                      <a:r>
+                        <a:rPr lang="en-US" dirty="0"/>
+                        <a:t>1</a:t>
+                      </a:r>
+                    </a:p>
+                  </a:txBody>
+                  <a:tcPr/>
+                </a:tc>
+                <a:tc>
+                  <a:txBody>
+                    <a:bodyPr/>
+                    <a:lstStyle/>
+                    <a:p>
+                      <a:r>
+                        <a:rPr lang="en-US" dirty="0"/>
+                        <a:t>2</a:t>
+                      </a:r>
+                    </a:p>
+                  </a:txBody>
+                  <a:tcPr/>
+                </a:tc>
+                <a:tc>
+                  <a:txBody>
+                    <a:bodyPr/>
+                    <a:lstStyle/>
+                    <a:p>
+                      <a:r>
+                        <a:rPr lang="en-US" dirty="0"/>
+                        <a:t>1</a:t>
+                      </a:r>
+                    </a:p>
+                  </a:txBody>
+                  <a:tcPr/>
+                </a:tc>
+                <a:extLst>
+                  <a:ext uri="{0D108BD9-81ED-4DB2-BD59-A6C34878D82A}">
+                    <a16:rowId xmlns:a16="http://schemas.microsoft.com/office/drawing/2014/main" val="2028307844"/>
+                  </a:ext>
+                </a:extLst>
+              </a:tr>
+            </a:tbl>
+          </a:graphicData>
+        </a:graphic>
+      </p:graphicFrame>
+    </p:spTree>
+    <p:extLst>
+      <p:ext uri="{BB962C8B-B14F-4D97-AF65-F5344CB8AC3E}">
+        <p14:creationId xmlns:p14="http://schemas.microsoft.com/office/powerpoint/2010/main" val="843078346"/>
+      </p:ext>
+    </p:extLst>
+  </p:cSld>
+  <p:clrMapOvr>
+    <a:masterClrMapping/>
+  </p:clrMapOvr>
+</p:sld>
+</file>
+
 <file path=ppt/theme/theme1.xml><?xml version="1.0" encoding="utf-8"?>
 <a:theme xmlns:a="http://schemas.openxmlformats.org/drawingml/2006/main" name="Dividend">
   <a:themeElements>
